--- a/ppt/03-30.pptx
+++ b/ppt/03-30.pptx
@@ -7,6 +7,10 @@
   <p:sldIdLst>
     <p:sldId id="257" r:id="rId2"/>
     <p:sldId id="258" r:id="rId3"/>
+    <p:sldId id="262" r:id="rId4"/>
+    <p:sldId id="259" r:id="rId5"/>
+    <p:sldId id="260" r:id="rId6"/>
+    <p:sldId id="261" r:id="rId7"/>
   </p:sldIdLst>
   <p:sldSz cx="12192000" cy="6858000"/>
   <p:notesSz cx="6858000" cy="9144000"/>
@@ -3110,7 +3114,7 @@
         </p:nvSpPr>
         <p:spPr>
           <a:xfrm>
-            <a:off x="6108492" y="4714407"/>
+            <a:off x="6057346" y="4692904"/>
             <a:ext cx="2409634" cy="307777"/>
           </a:xfrm>
           <a:prstGeom prst="rect">
@@ -3194,7 +3198,7 @@
       </p:sp>
       <p:pic>
         <p:nvPicPr>
-          <p:cNvPr id="2" name="그림 1"/>
+          <p:cNvPr id="3" name="그림 2"/>
           <p:cNvPicPr>
             <a:picLocks noChangeAspect="1"/>
           </p:cNvPicPr>
@@ -3208,8 +3212,8 @@
         </p:blipFill>
         <p:spPr>
           <a:xfrm>
-            <a:off x="410205" y="926839"/>
-            <a:ext cx="4401164" cy="762106"/>
+            <a:off x="607101" y="956047"/>
+            <a:ext cx="4277322" cy="628738"/>
           </a:xfrm>
           <a:prstGeom prst="rect">
             <a:avLst/>
@@ -3218,14 +3222,14 @@
       </p:pic>
       <p:sp>
         <p:nvSpPr>
-          <p:cNvPr id="5" name="TextBox 4"/>
+          <p:cNvPr id="6" name="TextBox 5"/>
           <p:cNvSpPr txBox="1"/>
           <p:nvPr/>
         </p:nvSpPr>
         <p:spPr>
           <a:xfrm>
-            <a:off x="2398426" y="2578308"/>
-            <a:ext cx="958917" cy="369332"/>
+            <a:off x="705858" y="1934715"/>
+            <a:ext cx="5101076" cy="307777"/>
           </a:xfrm>
           <a:prstGeom prst="rect">
             <a:avLst/>
@@ -3239,18 +3243,99 @@
           <a:lstStyle/>
           <a:p>
             <a:r>
-              <a:rPr lang="ko-KR" altLang="en-US" smtClean="0">
+              <a:rPr lang="en-US" altLang="ko-KR" sz="1400" dirty="0" smtClean="0"/>
+              <a:t>/public/image/common/ico24/@2x/ </a:t>
+            </a:r>
+            <a:r>
+              <a:rPr lang="ko-KR" altLang="en-US" sz="1400" dirty="0" smtClean="0"/>
+              <a:t>폴더에 이미지 있습니다</a:t>
+            </a:r>
+            <a:r>
+              <a:rPr lang="en-US" altLang="ko-KR" sz="1400" dirty="0" smtClean="0"/>
+              <a:t>.</a:t>
+            </a:r>
+            <a:endParaRPr lang="ko-KR" altLang="en-US" sz="1400" dirty="0"/>
+          </a:p>
+        </p:txBody>
+      </p:sp>
+      <p:sp>
+        <p:nvSpPr>
+          <p:cNvPr id="7" name="TextBox 6"/>
+          <p:cNvSpPr txBox="1"/>
+          <p:nvPr/>
+        </p:nvSpPr>
+        <p:spPr>
+          <a:xfrm>
+            <a:off x="705858" y="2706709"/>
+            <a:ext cx="3174715" cy="1020216"/>
+          </a:xfrm>
+          <a:prstGeom prst="rect">
+            <a:avLst/>
+          </a:prstGeom>
+          <a:noFill/>
+        </p:spPr>
+        <p:txBody>
+          <a:bodyPr wrap="none" rtlCol="0">
+            <a:spAutoFit/>
+          </a:bodyPr>
+          <a:lstStyle/>
+          <a:p>
+            <a:pPr>
+              <a:lnSpc>
+                <a:spcPct val="150000"/>
+              </a:lnSpc>
+            </a:pPr>
+            <a:r>
+              <a:rPr lang="en-US" altLang="ko-KR" sz="1400" dirty="0" smtClean="0"/>
+              <a:t>ico_24_24store.png</a:t>
+            </a:r>
+          </a:p>
+          <a:p>
+            <a:pPr>
+              <a:lnSpc>
+                <a:spcPct val="150000"/>
+              </a:lnSpc>
+            </a:pPr>
+            <a:r>
+              <a:rPr lang="en-US" altLang="ko-KR" sz="1400" dirty="0" smtClean="0"/>
+              <a:t>ico_24_24store</a:t>
+            </a:r>
+            <a:r>
+              <a:rPr lang="en-US" altLang="ko-KR" sz="1400" dirty="0" smtClean="0">
                 <a:solidFill>
                   <a:srgbClr val="FF0000"/>
                 </a:solidFill>
               </a:rPr>
-              <a:t>작업 중</a:t>
-            </a:r>
-            <a:endParaRPr lang="ko-KR" altLang="en-US">
-              <a:solidFill>
-                <a:srgbClr val="FF0000"/>
-              </a:solidFill>
-            </a:endParaRPr>
+              <a:t>_active</a:t>
+            </a:r>
+            <a:r>
+              <a:rPr lang="en-US" altLang="ko-KR" sz="1400" dirty="0" smtClean="0"/>
+              <a:t>.png</a:t>
+            </a:r>
+          </a:p>
+          <a:p>
+            <a:pPr>
+              <a:lnSpc>
+                <a:spcPct val="150000"/>
+              </a:lnSpc>
+            </a:pPr>
+            <a:r>
+              <a:rPr lang="ko-KR" altLang="en-US" sz="1400" dirty="0" smtClean="0"/>
+              <a:t>활성화 이미지는 </a:t>
+            </a:r>
+            <a:r>
+              <a:rPr lang="en-US" altLang="ko-KR" sz="1400" dirty="0" smtClean="0"/>
+              <a:t>_active  </a:t>
+            </a:r>
+            <a:r>
+              <a:rPr lang="ko-KR" altLang="en-US" sz="1400" dirty="0" smtClean="0"/>
+              <a:t>추가됩니다</a:t>
+            </a:r>
+            <a:r>
+              <a:rPr lang="en-US" altLang="ko-KR" sz="1400" dirty="0" smtClean="0"/>
+              <a:t>.</a:t>
+            </a:r>
+            <a:endParaRPr lang="ko-KR" altLang="en-US" sz="1400" dirty="0"/>
           </a:p>
         </p:txBody>
       </p:sp>
@@ -3258,6 +3343,1405 @@
     <p:extLst>
       <p:ext uri="{BB962C8B-B14F-4D97-AF65-F5344CB8AC3E}">
         <p14:creationId xmlns:p14="http://schemas.microsoft.com/office/powerpoint/2010/main" val="4079605408"/>
+      </p:ext>
+    </p:extLst>
+  </p:cSld>
+  <p:clrMapOvr>
+    <a:masterClrMapping/>
+  </p:clrMapOvr>
+</p:sld>
+</file>
+
+<file path=ppt/slides/slide3.xml><?xml version="1.0" encoding="utf-8"?>
+<p:sld xmlns:a="http://schemas.openxmlformats.org/drawingml/2006/main" xmlns:r="http://schemas.openxmlformats.org/officeDocument/2006/relationships" xmlns:p="http://schemas.openxmlformats.org/presentationml/2006/main">
+  <p:cSld>
+    <p:spTree>
+      <p:nvGrpSpPr>
+        <p:cNvPr id="1" name=""/>
+        <p:cNvGrpSpPr/>
+        <p:nvPr/>
+      </p:nvGrpSpPr>
+      <p:grpSpPr>
+        <a:xfrm>
+          <a:off x="0" y="0"/>
+          <a:ext cx="0" cy="0"/>
+          <a:chOff x="0" y="0"/>
+          <a:chExt cx="0" cy="0"/>
+        </a:xfrm>
+      </p:grpSpPr>
+      <p:sp>
+        <p:nvSpPr>
+          <p:cNvPr id="4" name="TextBox 3"/>
+          <p:cNvSpPr txBox="1"/>
+          <p:nvPr/>
+        </p:nvSpPr>
+        <p:spPr>
+          <a:xfrm>
+            <a:off x="607101" y="352269"/>
+            <a:ext cx="1651414" cy="369332"/>
+          </a:xfrm>
+          <a:prstGeom prst="rect">
+            <a:avLst/>
+          </a:prstGeom>
+          <a:noFill/>
+        </p:spPr>
+        <p:txBody>
+          <a:bodyPr wrap="none" rtlCol="0">
+            <a:spAutoFit/>
+          </a:bodyPr>
+          <a:lstStyle/>
+          <a:p>
+            <a:r>
+              <a:rPr lang="ko-KR" altLang="en-US" dirty="0" smtClean="0"/>
+              <a:t>생활정보 공통</a:t>
+            </a:r>
+            <a:endParaRPr lang="ko-KR" altLang="en-US" dirty="0"/>
+          </a:p>
+        </p:txBody>
+      </p:sp>
+      <p:pic>
+        <p:nvPicPr>
+          <p:cNvPr id="5" name="그림 4"/>
+          <p:cNvPicPr>
+            <a:picLocks noChangeAspect="1"/>
+          </p:cNvPicPr>
+          <p:nvPr/>
+        </p:nvPicPr>
+        <p:blipFill>
+          <a:blip r:embed="rId2"/>
+          <a:stretch>
+            <a:fillRect/>
+          </a:stretch>
+        </p:blipFill>
+        <p:spPr>
+          <a:xfrm>
+            <a:off x="432060" y="937136"/>
+            <a:ext cx="4477375" cy="876422"/>
+          </a:xfrm>
+          <a:prstGeom prst="rect">
+            <a:avLst/>
+          </a:prstGeom>
+        </p:spPr>
+      </p:pic>
+      <p:sp>
+        <p:nvSpPr>
+          <p:cNvPr id="6" name="TextBox 5"/>
+          <p:cNvSpPr txBox="1"/>
+          <p:nvPr/>
+        </p:nvSpPr>
+        <p:spPr>
+          <a:xfrm>
+            <a:off x="705858" y="1934715"/>
+            <a:ext cx="2768707" cy="307777"/>
+          </a:xfrm>
+          <a:prstGeom prst="rect">
+            <a:avLst/>
+          </a:prstGeom>
+          <a:noFill/>
+        </p:spPr>
+        <p:txBody>
+          <a:bodyPr wrap="none" rtlCol="0">
+            <a:spAutoFit/>
+          </a:bodyPr>
+          <a:lstStyle/>
+          <a:p>
+            <a:r>
+              <a:rPr lang="ko-KR" altLang="en-US" sz="1400" dirty="0" err="1" smtClean="0"/>
+              <a:t>스와이퍼</a:t>
+            </a:r>
+            <a:r>
+              <a:rPr lang="ko-KR" altLang="en-US" sz="1400" dirty="0" smtClean="0"/>
+              <a:t> 값이 이상이 있는 문제</a:t>
+            </a:r>
+            <a:endParaRPr lang="ko-KR" altLang="en-US" sz="1400" dirty="0"/>
+          </a:p>
+        </p:txBody>
+      </p:sp>
+      <p:pic>
+        <p:nvPicPr>
+          <p:cNvPr id="7" name="그림 6"/>
+          <p:cNvPicPr>
+            <a:picLocks noChangeAspect="1"/>
+          </p:cNvPicPr>
+          <p:nvPr/>
+        </p:nvPicPr>
+        <p:blipFill>
+          <a:blip r:embed="rId3"/>
+          <a:stretch>
+            <a:fillRect/>
+          </a:stretch>
+        </p:blipFill>
+        <p:spPr>
+          <a:xfrm>
+            <a:off x="705858" y="2363649"/>
+            <a:ext cx="7525800" cy="238158"/>
+          </a:xfrm>
+          <a:prstGeom prst="rect">
+            <a:avLst/>
+          </a:prstGeom>
+        </p:spPr>
+      </p:pic>
+      <p:cxnSp>
+        <p:nvCxnSpPr>
+          <p:cNvPr id="9" name="직선 연결선 8"/>
+          <p:cNvCxnSpPr/>
+          <p:nvPr/>
+        </p:nvCxnSpPr>
+        <p:spPr>
+          <a:xfrm>
+            <a:off x="5269043" y="2571827"/>
+            <a:ext cx="1828800" cy="0"/>
+          </a:xfrm>
+          <a:prstGeom prst="line">
+            <a:avLst/>
+          </a:prstGeom>
+        </p:spPr>
+        <p:style>
+          <a:lnRef idx="3">
+            <a:schemeClr val="accent2"/>
+          </a:lnRef>
+          <a:fillRef idx="0">
+            <a:schemeClr val="accent2"/>
+          </a:fillRef>
+          <a:effectRef idx="2">
+            <a:schemeClr val="accent2"/>
+          </a:effectRef>
+          <a:fontRef idx="minor">
+            <a:schemeClr val="tx1"/>
+          </a:fontRef>
+        </p:style>
+      </p:cxnSp>
+      <p:sp>
+        <p:nvSpPr>
+          <p:cNvPr id="10" name="TextBox 9"/>
+          <p:cNvSpPr txBox="1"/>
+          <p:nvPr/>
+        </p:nvSpPr>
+        <p:spPr>
+          <a:xfrm>
+            <a:off x="4799089" y="2998009"/>
+            <a:ext cx="5400966" cy="307777"/>
+          </a:xfrm>
+          <a:prstGeom prst="rect">
+            <a:avLst/>
+          </a:prstGeom>
+          <a:noFill/>
+        </p:spPr>
+        <p:txBody>
+          <a:bodyPr wrap="none" rtlCol="0">
+            <a:spAutoFit/>
+          </a:bodyPr>
+          <a:lstStyle/>
+          <a:p>
+            <a:r>
+              <a:rPr lang="ko-KR" altLang="en-US" sz="1400" dirty="0" smtClean="0"/>
+              <a:t>왜 </a:t>
+            </a:r>
+            <a:r>
+              <a:rPr lang="en-US" altLang="ko-KR" sz="1400" dirty="0" smtClean="0"/>
+              <a:t>-16px </a:t>
+            </a:r>
+            <a:r>
+              <a:rPr lang="ko-KR" altLang="en-US" sz="1400" dirty="0" smtClean="0"/>
+              <a:t>이 들어가는지 모르겠어요</a:t>
+            </a:r>
+            <a:r>
+              <a:rPr lang="en-US" altLang="ko-KR" sz="1400" dirty="0" smtClean="0"/>
+              <a:t>. 0px, 0px, 0px</a:t>
+            </a:r>
+            <a:r>
+              <a:rPr lang="ko-KR" altLang="en-US" sz="1400" dirty="0" smtClean="0"/>
+              <a:t>이 정상인데요</a:t>
+            </a:r>
+            <a:r>
+              <a:rPr lang="en-US" altLang="ko-KR" sz="1400" dirty="0" smtClean="0"/>
+              <a:t>.</a:t>
+            </a:r>
+          </a:p>
+        </p:txBody>
+      </p:sp>
+      <p:pic>
+        <p:nvPicPr>
+          <p:cNvPr id="11" name="그림 10"/>
+          <p:cNvPicPr>
+            <a:picLocks noChangeAspect="1"/>
+          </p:cNvPicPr>
+          <p:nvPr/>
+        </p:nvPicPr>
+        <p:blipFill>
+          <a:blip r:embed="rId4"/>
+          <a:stretch>
+            <a:fillRect/>
+          </a:stretch>
+        </p:blipFill>
+        <p:spPr>
+          <a:xfrm>
+            <a:off x="1553701" y="5510184"/>
+            <a:ext cx="2915057" cy="409632"/>
+          </a:xfrm>
+          <a:prstGeom prst="rect">
+            <a:avLst/>
+          </a:prstGeom>
+        </p:spPr>
+      </p:pic>
+      <p:pic>
+        <p:nvPicPr>
+          <p:cNvPr id="12" name="그림 11"/>
+          <p:cNvPicPr>
+            <a:picLocks noChangeAspect="1"/>
+          </p:cNvPicPr>
+          <p:nvPr/>
+        </p:nvPicPr>
+        <p:blipFill>
+          <a:blip r:embed="rId5"/>
+          <a:stretch>
+            <a:fillRect/>
+          </a:stretch>
+        </p:blipFill>
+        <p:spPr>
+          <a:xfrm>
+            <a:off x="1229058" y="4391274"/>
+            <a:ext cx="4172532" cy="819264"/>
+          </a:xfrm>
+          <a:prstGeom prst="rect">
+            <a:avLst/>
+          </a:prstGeom>
+        </p:spPr>
+      </p:pic>
+      <p:sp>
+        <p:nvSpPr>
+          <p:cNvPr id="13" name="TextBox 12"/>
+          <p:cNvSpPr txBox="1"/>
+          <p:nvPr/>
+        </p:nvSpPr>
+        <p:spPr>
+          <a:xfrm>
+            <a:off x="4397360" y="5561111"/>
+            <a:ext cx="5497852" cy="523220"/>
+          </a:xfrm>
+          <a:prstGeom prst="rect">
+            <a:avLst/>
+          </a:prstGeom>
+          <a:noFill/>
+        </p:spPr>
+        <p:txBody>
+          <a:bodyPr wrap="none" rtlCol="0">
+            <a:spAutoFit/>
+          </a:bodyPr>
+          <a:lstStyle/>
+          <a:p>
+            <a:r>
+              <a:rPr lang="ko-KR" altLang="en-US" sz="1400" dirty="0" smtClean="0"/>
+              <a:t>이상태에서도 </a:t>
+            </a:r>
+            <a:r>
+              <a:rPr lang="en-US" altLang="ko-KR" sz="1400" dirty="0" smtClean="0"/>
+              <a:t>16px</a:t>
+            </a:r>
+            <a:r>
+              <a:rPr lang="ko-KR" altLang="en-US" sz="1400" dirty="0" smtClean="0"/>
+              <a:t>이 들어가는데 혹시 너무 붙어서 공간 띄운다고</a:t>
+            </a:r>
+            <a:endParaRPr lang="en-US" altLang="ko-KR" sz="1400" dirty="0" smtClean="0"/>
+          </a:p>
+          <a:p>
+            <a:r>
+              <a:rPr lang="en-US" altLang="ko-KR" sz="1400" dirty="0" smtClean="0"/>
+              <a:t>SwiperJs </a:t>
+            </a:r>
+            <a:r>
+              <a:rPr lang="ko-KR" altLang="en-US" sz="1400" dirty="0" smtClean="0"/>
+              <a:t>옵션에서 값 넣고 </a:t>
+            </a:r>
+            <a:r>
+              <a:rPr lang="ko-KR" altLang="en-US" sz="1400" dirty="0" err="1" smtClean="0"/>
+              <a:t>있는건</a:t>
+            </a:r>
+            <a:r>
+              <a:rPr lang="ko-KR" altLang="en-US" sz="1400" dirty="0" smtClean="0"/>
+              <a:t> 없는지 한번 확인해 주세요</a:t>
+            </a:r>
+            <a:r>
+              <a:rPr lang="en-US" altLang="ko-KR" sz="1400" dirty="0" smtClean="0"/>
+              <a:t>.</a:t>
+            </a:r>
+          </a:p>
+        </p:txBody>
+      </p:sp>
+      <p:cxnSp>
+        <p:nvCxnSpPr>
+          <p:cNvPr id="15" name="직선 화살표 연결선 14"/>
+          <p:cNvCxnSpPr/>
+          <p:nvPr/>
+        </p:nvCxnSpPr>
+        <p:spPr>
+          <a:xfrm flipH="1" flipV="1">
+            <a:off x="1813810" y="4961744"/>
+            <a:ext cx="5856434" cy="548440"/>
+          </a:xfrm>
+          <a:prstGeom prst="straightConnector1">
+            <a:avLst/>
+          </a:prstGeom>
+          <a:ln>
+            <a:tailEnd type="triangle"/>
+          </a:ln>
+        </p:spPr>
+        <p:style>
+          <a:lnRef idx="1">
+            <a:schemeClr val="accent1"/>
+          </a:lnRef>
+          <a:fillRef idx="0">
+            <a:schemeClr val="accent1"/>
+          </a:fillRef>
+          <a:effectRef idx="0">
+            <a:schemeClr val="accent1"/>
+          </a:effectRef>
+          <a:fontRef idx="minor">
+            <a:schemeClr val="tx1"/>
+          </a:fontRef>
+        </p:style>
+      </p:cxnSp>
+    </p:spTree>
+    <p:extLst>
+      <p:ext uri="{BB962C8B-B14F-4D97-AF65-F5344CB8AC3E}">
+        <p14:creationId xmlns:p14="http://schemas.microsoft.com/office/powerpoint/2010/main" val="2671157430"/>
+      </p:ext>
+    </p:extLst>
+  </p:cSld>
+  <p:clrMapOvr>
+    <a:masterClrMapping/>
+  </p:clrMapOvr>
+</p:sld>
+</file>
+
+<file path=ppt/slides/slide4.xml><?xml version="1.0" encoding="utf-8"?>
+<p:sld xmlns:a="http://schemas.openxmlformats.org/drawingml/2006/main" xmlns:r="http://schemas.openxmlformats.org/officeDocument/2006/relationships" xmlns:p="http://schemas.openxmlformats.org/presentationml/2006/main">
+  <p:cSld>
+    <p:spTree>
+      <p:nvGrpSpPr>
+        <p:cNvPr id="1" name=""/>
+        <p:cNvGrpSpPr/>
+        <p:nvPr/>
+      </p:nvGrpSpPr>
+      <p:grpSpPr>
+        <a:xfrm>
+          <a:off x="0" y="0"/>
+          <a:ext cx="0" cy="0"/>
+          <a:chOff x="0" y="0"/>
+          <a:chExt cx="0" cy="0"/>
+        </a:xfrm>
+      </p:grpSpPr>
+      <p:sp>
+        <p:nvSpPr>
+          <p:cNvPr id="4" name="TextBox 3"/>
+          <p:cNvSpPr txBox="1"/>
+          <p:nvPr/>
+        </p:nvSpPr>
+        <p:spPr>
+          <a:xfrm>
+            <a:off x="607101" y="352269"/>
+            <a:ext cx="1872629" cy="369332"/>
+          </a:xfrm>
+          <a:prstGeom prst="rect">
+            <a:avLst/>
+          </a:prstGeom>
+          <a:noFill/>
+        </p:spPr>
+        <p:txBody>
+          <a:bodyPr wrap="none" rtlCol="0">
+            <a:spAutoFit/>
+          </a:bodyPr>
+          <a:lstStyle/>
+          <a:p>
+            <a:r>
+              <a:rPr lang="en-US" altLang="ko-KR" dirty="0"/>
+              <a:t>UI-SJN-34-002L</a:t>
+            </a:r>
+            <a:endParaRPr lang="ko-KR" altLang="en-US" dirty="0"/>
+          </a:p>
+        </p:txBody>
+      </p:sp>
+      <p:pic>
+        <p:nvPicPr>
+          <p:cNvPr id="3" name="그림 2"/>
+          <p:cNvPicPr>
+            <a:picLocks noChangeAspect="1"/>
+          </p:cNvPicPr>
+          <p:nvPr/>
+        </p:nvPicPr>
+        <p:blipFill>
+          <a:blip r:embed="rId2"/>
+          <a:stretch>
+            <a:fillRect/>
+          </a:stretch>
+        </p:blipFill>
+        <p:spPr>
+          <a:xfrm>
+            <a:off x="607101" y="1169497"/>
+            <a:ext cx="4239217" cy="2915057"/>
+          </a:xfrm>
+          <a:prstGeom prst="rect">
+            <a:avLst/>
+          </a:prstGeom>
+        </p:spPr>
+      </p:pic>
+      <p:cxnSp>
+        <p:nvCxnSpPr>
+          <p:cNvPr id="7" name="직선 화살표 연결선 6"/>
+          <p:cNvCxnSpPr/>
+          <p:nvPr/>
+        </p:nvCxnSpPr>
+        <p:spPr>
+          <a:xfrm flipH="1">
+            <a:off x="4399613" y="1933730"/>
+            <a:ext cx="1319135" cy="0"/>
+          </a:xfrm>
+          <a:prstGeom prst="straightConnector1">
+            <a:avLst/>
+          </a:prstGeom>
+          <a:ln>
+            <a:tailEnd type="triangle"/>
+          </a:ln>
+        </p:spPr>
+        <p:style>
+          <a:lnRef idx="1">
+            <a:schemeClr val="accent1"/>
+          </a:lnRef>
+          <a:fillRef idx="0">
+            <a:schemeClr val="accent1"/>
+          </a:fillRef>
+          <a:effectRef idx="0">
+            <a:schemeClr val="accent1"/>
+          </a:effectRef>
+          <a:fontRef idx="minor">
+            <a:schemeClr val="tx1"/>
+          </a:fontRef>
+        </p:style>
+      </p:cxnSp>
+      <p:sp>
+        <p:nvSpPr>
+          <p:cNvPr id="8" name="TextBox 7"/>
+          <p:cNvSpPr txBox="1"/>
+          <p:nvPr/>
+        </p:nvSpPr>
+        <p:spPr>
+          <a:xfrm>
+            <a:off x="5718748" y="1779841"/>
+            <a:ext cx="965329" cy="307777"/>
+          </a:xfrm>
+          <a:prstGeom prst="rect">
+            <a:avLst/>
+          </a:prstGeom>
+          <a:noFill/>
+        </p:spPr>
+        <p:txBody>
+          <a:bodyPr wrap="none" rtlCol="0">
+            <a:spAutoFit/>
+          </a:bodyPr>
+          <a:lstStyle/>
+          <a:p>
+            <a:r>
+              <a:rPr lang="ko-KR" altLang="en-US" sz="1400" dirty="0" smtClean="0"/>
+              <a:t>위치 이동</a:t>
+            </a:r>
+            <a:endParaRPr lang="ko-KR" altLang="en-US" sz="1400" dirty="0"/>
+          </a:p>
+        </p:txBody>
+      </p:sp>
+    </p:spTree>
+    <p:extLst>
+      <p:ext uri="{BB962C8B-B14F-4D97-AF65-F5344CB8AC3E}">
+        <p14:creationId xmlns:p14="http://schemas.microsoft.com/office/powerpoint/2010/main" val="3453329319"/>
+      </p:ext>
+    </p:extLst>
+  </p:cSld>
+  <p:clrMapOvr>
+    <a:masterClrMapping/>
+  </p:clrMapOvr>
+</p:sld>
+</file>
+
+<file path=ppt/slides/slide5.xml><?xml version="1.0" encoding="utf-8"?>
+<p:sld xmlns:a="http://schemas.openxmlformats.org/drawingml/2006/main" xmlns:r="http://schemas.openxmlformats.org/officeDocument/2006/relationships" xmlns:p="http://schemas.openxmlformats.org/presentationml/2006/main">
+  <p:cSld>
+    <p:spTree>
+      <p:nvGrpSpPr>
+        <p:cNvPr id="1" name=""/>
+        <p:cNvGrpSpPr/>
+        <p:nvPr/>
+      </p:nvGrpSpPr>
+      <p:grpSpPr>
+        <a:xfrm>
+          <a:off x="0" y="0"/>
+          <a:ext cx="0" cy="0"/>
+          <a:chOff x="0" y="0"/>
+          <a:chExt cx="0" cy="0"/>
+        </a:xfrm>
+      </p:grpSpPr>
+      <p:sp>
+        <p:nvSpPr>
+          <p:cNvPr id="4" name="TextBox 3"/>
+          <p:cNvSpPr txBox="1"/>
+          <p:nvPr/>
+        </p:nvSpPr>
+        <p:spPr>
+          <a:xfrm>
+            <a:off x="1095254" y="3983981"/>
+            <a:ext cx="1821332" cy="369332"/>
+          </a:xfrm>
+          <a:prstGeom prst="rect">
+            <a:avLst/>
+          </a:prstGeom>
+          <a:noFill/>
+        </p:spPr>
+        <p:txBody>
+          <a:bodyPr wrap="none" rtlCol="0">
+            <a:spAutoFit/>
+          </a:bodyPr>
+          <a:lstStyle/>
+          <a:p>
+            <a:r>
+              <a:rPr lang="en-US" altLang="ko-KR" dirty="0" smtClean="0"/>
+              <a:t>UI-SJN-23-002L</a:t>
+            </a:r>
+            <a:endParaRPr lang="ko-KR" altLang="en-US" dirty="0"/>
+          </a:p>
+        </p:txBody>
+      </p:sp>
+      <p:pic>
+        <p:nvPicPr>
+          <p:cNvPr id="5" name="그림 4"/>
+          <p:cNvPicPr>
+            <a:picLocks noChangeAspect="1"/>
+          </p:cNvPicPr>
+          <p:nvPr/>
+        </p:nvPicPr>
+        <p:blipFill>
+          <a:blip r:embed="rId2"/>
+          <a:stretch>
+            <a:fillRect/>
+          </a:stretch>
+        </p:blipFill>
+        <p:spPr>
+          <a:xfrm>
+            <a:off x="607101" y="1101385"/>
+            <a:ext cx="3820058" cy="476316"/>
+          </a:xfrm>
+          <a:prstGeom prst="rect">
+            <a:avLst/>
+          </a:prstGeom>
+        </p:spPr>
+      </p:pic>
+      <p:pic>
+        <p:nvPicPr>
+          <p:cNvPr id="9" name="그림 8"/>
+          <p:cNvPicPr>
+            <a:picLocks noChangeAspect="1"/>
+          </p:cNvPicPr>
+          <p:nvPr/>
+        </p:nvPicPr>
+        <p:blipFill>
+          <a:blip r:embed="rId3"/>
+          <a:stretch>
+            <a:fillRect/>
+          </a:stretch>
+        </p:blipFill>
+        <p:spPr>
+          <a:xfrm>
+            <a:off x="4557151" y="1101385"/>
+            <a:ext cx="3572374" cy="485843"/>
+          </a:xfrm>
+          <a:prstGeom prst="rect">
+            <a:avLst/>
+          </a:prstGeom>
+        </p:spPr>
+      </p:pic>
+      <p:pic>
+        <p:nvPicPr>
+          <p:cNvPr id="10" name="그림 9"/>
+          <p:cNvPicPr>
+            <a:picLocks noChangeAspect="1"/>
+          </p:cNvPicPr>
+          <p:nvPr/>
+        </p:nvPicPr>
+        <p:blipFill>
+          <a:blip r:embed="rId4"/>
+          <a:stretch>
+            <a:fillRect/>
+          </a:stretch>
+        </p:blipFill>
+        <p:spPr>
+          <a:xfrm>
+            <a:off x="1052256" y="2176970"/>
+            <a:ext cx="3686689" cy="495369"/>
+          </a:xfrm>
+          <a:prstGeom prst="rect">
+            <a:avLst/>
+          </a:prstGeom>
+        </p:spPr>
+      </p:pic>
+      <p:pic>
+        <p:nvPicPr>
+          <p:cNvPr id="11" name="그림 10"/>
+          <p:cNvPicPr>
+            <a:picLocks noChangeAspect="1"/>
+          </p:cNvPicPr>
+          <p:nvPr/>
+        </p:nvPicPr>
+        <p:blipFill>
+          <a:blip r:embed="rId5"/>
+          <a:stretch>
+            <a:fillRect/>
+          </a:stretch>
+        </p:blipFill>
+        <p:spPr>
+          <a:xfrm>
+            <a:off x="4738945" y="2234128"/>
+            <a:ext cx="1952898" cy="438211"/>
+          </a:xfrm>
+          <a:prstGeom prst="rect">
+            <a:avLst/>
+          </a:prstGeom>
+        </p:spPr>
+      </p:pic>
+      <p:sp>
+        <p:nvSpPr>
+          <p:cNvPr id="13" name="TextBox 12"/>
+          <p:cNvSpPr txBox="1"/>
+          <p:nvPr/>
+        </p:nvSpPr>
+        <p:spPr>
+          <a:xfrm>
+            <a:off x="1566471" y="1641002"/>
+            <a:ext cx="370614" cy="307777"/>
+          </a:xfrm>
+          <a:prstGeom prst="rect">
+            <a:avLst/>
+          </a:prstGeom>
+          <a:noFill/>
+        </p:spPr>
+        <p:txBody>
+          <a:bodyPr wrap="none" rtlCol="0">
+            <a:spAutoFit/>
+          </a:bodyPr>
+          <a:lstStyle/>
+          <a:p>
+            <a:r>
+              <a:rPr lang="en-US" altLang="ko-KR" sz="1400" dirty="0" smtClean="0"/>
+              <a:t>gs</a:t>
+            </a:r>
+            <a:endParaRPr lang="ko-KR" altLang="en-US" sz="1400" dirty="0"/>
+          </a:p>
+        </p:txBody>
+      </p:sp>
+      <p:sp>
+        <p:nvSpPr>
+          <p:cNvPr id="14" name="TextBox 13"/>
+          <p:cNvSpPr txBox="1"/>
+          <p:nvPr/>
+        </p:nvSpPr>
+        <p:spPr>
+          <a:xfrm>
+            <a:off x="2675743" y="1641002"/>
+            <a:ext cx="447558" cy="307777"/>
+          </a:xfrm>
+          <a:prstGeom prst="rect">
+            <a:avLst/>
+          </a:prstGeom>
+          <a:noFill/>
+        </p:spPr>
+        <p:txBody>
+          <a:bodyPr wrap="none" rtlCol="0">
+            <a:spAutoFit/>
+          </a:bodyPr>
+          <a:lstStyle/>
+          <a:p>
+            <a:r>
+              <a:rPr lang="en-US" altLang="ko-KR" sz="1400" dirty="0" smtClean="0"/>
+              <a:t>skE</a:t>
+            </a:r>
+            <a:endParaRPr lang="ko-KR" altLang="en-US" sz="1400" dirty="0"/>
+          </a:p>
+        </p:txBody>
+      </p:sp>
+      <p:sp>
+        <p:nvSpPr>
+          <p:cNvPr id="15" name="TextBox 14"/>
+          <p:cNvSpPr txBox="1"/>
+          <p:nvPr/>
+        </p:nvSpPr>
+        <p:spPr>
+          <a:xfrm>
+            <a:off x="3777520" y="1641002"/>
+            <a:ext cx="481222" cy="307777"/>
+          </a:xfrm>
+          <a:prstGeom prst="rect">
+            <a:avLst/>
+          </a:prstGeom>
+          <a:noFill/>
+        </p:spPr>
+        <p:txBody>
+          <a:bodyPr wrap="none" rtlCol="0">
+            <a:spAutoFit/>
+          </a:bodyPr>
+          <a:lstStyle/>
+          <a:p>
+            <a:r>
+              <a:rPr lang="en-US" altLang="ko-KR" sz="1400" dirty="0" smtClean="0"/>
+              <a:t>skG</a:t>
+            </a:r>
+            <a:endParaRPr lang="ko-KR" altLang="en-US" sz="1400" dirty="0"/>
+          </a:p>
+        </p:txBody>
+      </p:sp>
+      <p:sp>
+        <p:nvSpPr>
+          <p:cNvPr id="16" name="TextBox 15"/>
+          <p:cNvSpPr txBox="1"/>
+          <p:nvPr/>
+        </p:nvSpPr>
+        <p:spPr>
+          <a:xfrm>
+            <a:off x="4856815" y="1641002"/>
+            <a:ext cx="830677" cy="307777"/>
+          </a:xfrm>
+          <a:prstGeom prst="rect">
+            <a:avLst/>
+          </a:prstGeom>
+          <a:noFill/>
+        </p:spPr>
+        <p:txBody>
+          <a:bodyPr wrap="none" rtlCol="0">
+            <a:spAutoFit/>
+          </a:bodyPr>
+          <a:lstStyle/>
+          <a:p>
+            <a:r>
+              <a:rPr lang="en-US" altLang="ko-KR" sz="1400" dirty="0" smtClean="0"/>
+              <a:t>hyundai</a:t>
+            </a:r>
+            <a:endParaRPr lang="ko-KR" altLang="en-US" sz="1400" dirty="0"/>
+          </a:p>
+        </p:txBody>
+      </p:sp>
+      <p:sp>
+        <p:nvSpPr>
+          <p:cNvPr id="17" name="TextBox 16"/>
+          <p:cNvSpPr txBox="1"/>
+          <p:nvPr/>
+        </p:nvSpPr>
+        <p:spPr>
+          <a:xfrm>
+            <a:off x="6220917" y="1641002"/>
+            <a:ext cx="460382" cy="307777"/>
+          </a:xfrm>
+          <a:prstGeom prst="rect">
+            <a:avLst/>
+          </a:prstGeom>
+          <a:noFill/>
+        </p:spPr>
+        <p:txBody>
+          <a:bodyPr wrap="none" rtlCol="0">
+            <a:spAutoFit/>
+          </a:bodyPr>
+          <a:lstStyle/>
+          <a:p>
+            <a:r>
+              <a:rPr lang="en-US" altLang="ko-KR" sz="1400" dirty="0" smtClean="0"/>
+              <a:t>soil</a:t>
+            </a:r>
+            <a:endParaRPr lang="ko-KR" altLang="en-US" sz="1400" dirty="0"/>
+          </a:p>
+        </p:txBody>
+      </p:sp>
+      <p:sp>
+        <p:nvSpPr>
+          <p:cNvPr id="18" name="TextBox 17"/>
+          <p:cNvSpPr txBox="1"/>
+          <p:nvPr/>
+        </p:nvSpPr>
+        <p:spPr>
+          <a:xfrm>
+            <a:off x="7060368" y="1641002"/>
+            <a:ext cx="670696" cy="307777"/>
+          </a:xfrm>
+          <a:prstGeom prst="rect">
+            <a:avLst/>
+          </a:prstGeom>
+          <a:noFill/>
+        </p:spPr>
+        <p:txBody>
+          <a:bodyPr wrap="none" rtlCol="0">
+            <a:spAutoFit/>
+          </a:bodyPr>
+          <a:lstStyle/>
+          <a:p>
+            <a:r>
+              <a:rPr lang="en-US" altLang="ko-KR" sz="1400" dirty="0" smtClean="0"/>
+              <a:t>thrifty</a:t>
+            </a:r>
+            <a:endParaRPr lang="ko-KR" altLang="en-US" sz="1400" dirty="0"/>
+          </a:p>
+        </p:txBody>
+      </p:sp>
+      <p:sp>
+        <p:nvSpPr>
+          <p:cNvPr id="19" name="TextBox 18"/>
+          <p:cNvSpPr txBox="1"/>
+          <p:nvPr/>
+        </p:nvSpPr>
+        <p:spPr>
+          <a:xfrm>
+            <a:off x="1440594" y="2736489"/>
+            <a:ext cx="938398" cy="307777"/>
+          </a:xfrm>
+          <a:prstGeom prst="rect">
+            <a:avLst/>
+          </a:prstGeom>
+          <a:noFill/>
+        </p:spPr>
+        <p:txBody>
+          <a:bodyPr wrap="none" rtlCol="0">
+            <a:spAutoFit/>
+          </a:bodyPr>
+          <a:lstStyle/>
+          <a:p>
+            <a:r>
+              <a:rPr lang="en-US" altLang="ko-KR" sz="1400" dirty="0" smtClean="0"/>
+              <a:t>thriftyNH</a:t>
+            </a:r>
+            <a:endParaRPr lang="ko-KR" altLang="en-US" sz="1400" dirty="0"/>
+          </a:p>
+        </p:txBody>
+      </p:sp>
+      <p:sp>
+        <p:nvSpPr>
+          <p:cNvPr id="20" name="TextBox 19"/>
+          <p:cNvSpPr txBox="1"/>
+          <p:nvPr/>
+        </p:nvSpPr>
+        <p:spPr>
+          <a:xfrm>
+            <a:off x="2789706" y="2736489"/>
+            <a:ext cx="380232" cy="307777"/>
+          </a:xfrm>
+          <a:prstGeom prst="rect">
+            <a:avLst/>
+          </a:prstGeom>
+          <a:noFill/>
+        </p:spPr>
+        <p:txBody>
+          <a:bodyPr wrap="none" rtlCol="0">
+            <a:spAutoFit/>
+          </a:bodyPr>
+          <a:lstStyle/>
+          <a:p>
+            <a:r>
+              <a:rPr lang="en-US" altLang="ko-KR" sz="1400" dirty="0" smtClean="0"/>
+              <a:t>e1</a:t>
+            </a:r>
+            <a:endParaRPr lang="ko-KR" altLang="en-US" sz="1400" dirty="0"/>
+          </a:p>
+        </p:txBody>
+      </p:sp>
+      <p:sp>
+        <p:nvSpPr>
+          <p:cNvPr id="21" name="TextBox 20"/>
+          <p:cNvSpPr txBox="1"/>
+          <p:nvPr/>
+        </p:nvSpPr>
+        <p:spPr>
+          <a:xfrm>
+            <a:off x="3734089" y="2736489"/>
+            <a:ext cx="619080" cy="307777"/>
+          </a:xfrm>
+          <a:prstGeom prst="rect">
+            <a:avLst/>
+          </a:prstGeom>
+          <a:noFill/>
+        </p:spPr>
+        <p:txBody>
+          <a:bodyPr wrap="none" rtlCol="0">
+            <a:spAutoFit/>
+          </a:bodyPr>
+          <a:lstStyle/>
+          <a:p>
+            <a:r>
+              <a:rPr lang="en-US" altLang="ko-KR" sz="1400" dirty="0" smtClean="0"/>
+              <a:t>other</a:t>
+            </a:r>
+            <a:endParaRPr lang="ko-KR" altLang="en-US" sz="1400" dirty="0"/>
+          </a:p>
+        </p:txBody>
+      </p:sp>
+      <p:sp>
+        <p:nvSpPr>
+          <p:cNvPr id="22" name="TextBox 21"/>
+          <p:cNvSpPr txBox="1"/>
+          <p:nvPr/>
+        </p:nvSpPr>
+        <p:spPr>
+          <a:xfrm>
+            <a:off x="5180635" y="2736489"/>
+            <a:ext cx="364202" cy="307777"/>
+          </a:xfrm>
+          <a:prstGeom prst="rect">
+            <a:avLst/>
+          </a:prstGeom>
+          <a:noFill/>
+        </p:spPr>
+        <p:txBody>
+          <a:bodyPr wrap="none" rtlCol="0">
+            <a:spAutoFit/>
+          </a:bodyPr>
+          <a:lstStyle/>
+          <a:p>
+            <a:r>
+              <a:rPr lang="en-US" altLang="ko-KR" sz="1400" dirty="0" smtClean="0"/>
+              <a:t>ex</a:t>
+            </a:r>
+            <a:endParaRPr lang="ko-KR" altLang="en-US" sz="1400" dirty="0"/>
+          </a:p>
+        </p:txBody>
+      </p:sp>
+      <p:sp>
+        <p:nvSpPr>
+          <p:cNvPr id="23" name="TextBox 22"/>
+          <p:cNvSpPr txBox="1"/>
+          <p:nvPr/>
+        </p:nvSpPr>
+        <p:spPr>
+          <a:xfrm>
+            <a:off x="6042575" y="2736489"/>
+            <a:ext cx="373820" cy="307777"/>
+          </a:xfrm>
+          <a:prstGeom prst="rect">
+            <a:avLst/>
+          </a:prstGeom>
+          <a:noFill/>
+        </p:spPr>
+        <p:txBody>
+          <a:bodyPr wrap="none" rtlCol="0">
+            <a:spAutoFit/>
+          </a:bodyPr>
+          <a:lstStyle/>
+          <a:p>
+            <a:r>
+              <a:rPr lang="en-US" altLang="ko-KR" sz="1400" dirty="0" smtClean="0"/>
+              <a:t>nc</a:t>
+            </a:r>
+            <a:endParaRPr lang="ko-KR" altLang="en-US" sz="1400" dirty="0"/>
+          </a:p>
+        </p:txBody>
+      </p:sp>
+      <p:sp>
+        <p:nvSpPr>
+          <p:cNvPr id="25" name="TextBox 24"/>
+          <p:cNvSpPr txBox="1"/>
+          <p:nvPr/>
+        </p:nvSpPr>
+        <p:spPr>
+          <a:xfrm>
+            <a:off x="759501" y="504669"/>
+            <a:ext cx="1872629" cy="369332"/>
+          </a:xfrm>
+          <a:prstGeom prst="rect">
+            <a:avLst/>
+          </a:prstGeom>
+          <a:noFill/>
+        </p:spPr>
+        <p:txBody>
+          <a:bodyPr wrap="none" rtlCol="0">
+            <a:spAutoFit/>
+          </a:bodyPr>
+          <a:lstStyle/>
+          <a:p>
+            <a:r>
+              <a:rPr lang="en-US" altLang="ko-KR" dirty="0"/>
+              <a:t>UI-SJN-23-001L</a:t>
+            </a:r>
+            <a:endParaRPr lang="ko-KR" altLang="en-US" dirty="0"/>
+          </a:p>
+        </p:txBody>
+      </p:sp>
+      <p:cxnSp>
+        <p:nvCxnSpPr>
+          <p:cNvPr id="27" name="직선 연결선 26"/>
+          <p:cNvCxnSpPr/>
+          <p:nvPr/>
+        </p:nvCxnSpPr>
+        <p:spPr>
+          <a:xfrm>
+            <a:off x="4961744" y="3044266"/>
+            <a:ext cx="725748" cy="0"/>
+          </a:xfrm>
+          <a:prstGeom prst="line">
+            <a:avLst/>
+          </a:prstGeom>
+        </p:spPr>
+        <p:style>
+          <a:lnRef idx="3">
+            <a:schemeClr val="accent2"/>
+          </a:lnRef>
+          <a:fillRef idx="0">
+            <a:schemeClr val="accent2"/>
+          </a:fillRef>
+          <a:effectRef idx="2">
+            <a:schemeClr val="accent2"/>
+          </a:effectRef>
+          <a:fontRef idx="minor">
+            <a:schemeClr val="tx1"/>
+          </a:fontRef>
+        </p:style>
+      </p:cxnSp>
+      <p:cxnSp>
+        <p:nvCxnSpPr>
+          <p:cNvPr id="29" name="직선 연결선 28"/>
+          <p:cNvCxnSpPr/>
+          <p:nvPr/>
+        </p:nvCxnSpPr>
+        <p:spPr>
+          <a:xfrm>
+            <a:off x="3502370" y="2079633"/>
+            <a:ext cx="924300" cy="0"/>
+          </a:xfrm>
+          <a:prstGeom prst="line">
+            <a:avLst/>
+          </a:prstGeom>
+        </p:spPr>
+        <p:style>
+          <a:lnRef idx="3">
+            <a:schemeClr val="accent2"/>
+          </a:lnRef>
+          <a:fillRef idx="0">
+            <a:schemeClr val="accent2"/>
+          </a:fillRef>
+          <a:effectRef idx="2">
+            <a:schemeClr val="accent2"/>
+          </a:effectRef>
+          <a:fontRef idx="minor">
+            <a:schemeClr val="tx1"/>
+          </a:fontRef>
+        </p:style>
+      </p:cxnSp>
+      <p:sp>
+        <p:nvSpPr>
+          <p:cNvPr id="30" name="TextBox 29"/>
+          <p:cNvSpPr txBox="1"/>
+          <p:nvPr/>
+        </p:nvSpPr>
+        <p:spPr>
+          <a:xfrm>
+            <a:off x="7873017" y="2083901"/>
+            <a:ext cx="3844322" cy="369332"/>
+          </a:xfrm>
+          <a:prstGeom prst="rect">
+            <a:avLst/>
+          </a:prstGeom>
+          <a:noFill/>
+        </p:spPr>
+        <p:txBody>
+          <a:bodyPr wrap="none" rtlCol="0">
+            <a:spAutoFit/>
+          </a:bodyPr>
+          <a:lstStyle/>
+          <a:p>
+            <a:r>
+              <a:rPr lang="en-US" altLang="ko-KR" dirty="0" smtClean="0"/>
+              <a:t>skG, ex </a:t>
+            </a:r>
+            <a:r>
+              <a:rPr lang="ko-KR" altLang="en-US" dirty="0" smtClean="0"/>
+              <a:t>는 아이콘이 아직 없습니다</a:t>
+            </a:r>
+            <a:r>
+              <a:rPr lang="en-US" altLang="ko-KR" dirty="0" smtClean="0"/>
+              <a:t>.</a:t>
+            </a:r>
+            <a:endParaRPr lang="ko-KR" altLang="en-US" dirty="0"/>
+          </a:p>
+        </p:txBody>
+      </p:sp>
+      <p:pic>
+        <p:nvPicPr>
+          <p:cNvPr id="31" name="그림 30"/>
+          <p:cNvPicPr>
+            <a:picLocks noChangeAspect="1"/>
+          </p:cNvPicPr>
+          <p:nvPr/>
+        </p:nvPicPr>
+        <p:blipFill>
+          <a:blip r:embed="rId6"/>
+          <a:stretch>
+            <a:fillRect/>
+          </a:stretch>
+        </p:blipFill>
+        <p:spPr>
+          <a:xfrm>
+            <a:off x="1069382" y="4617087"/>
+            <a:ext cx="4201111" cy="1686160"/>
+          </a:xfrm>
+          <a:prstGeom prst="rect">
+            <a:avLst/>
+          </a:prstGeom>
+        </p:spPr>
+      </p:pic>
+      <p:cxnSp>
+        <p:nvCxnSpPr>
+          <p:cNvPr id="33" name="직선 화살표 연결선 32"/>
+          <p:cNvCxnSpPr/>
+          <p:nvPr/>
+        </p:nvCxnSpPr>
+        <p:spPr>
+          <a:xfrm flipH="1" flipV="1">
+            <a:off x="5876144" y="2079633"/>
+            <a:ext cx="1603948" cy="154495"/>
+          </a:xfrm>
+          <a:prstGeom prst="straightConnector1">
+            <a:avLst/>
+          </a:prstGeom>
+          <a:ln>
+            <a:tailEnd type="triangle"/>
+          </a:ln>
+        </p:spPr>
+        <p:style>
+          <a:lnRef idx="1">
+            <a:schemeClr val="accent1"/>
+          </a:lnRef>
+          <a:fillRef idx="0">
+            <a:schemeClr val="accent1"/>
+          </a:fillRef>
+          <a:effectRef idx="0">
+            <a:schemeClr val="accent1"/>
+          </a:effectRef>
+          <a:fontRef idx="minor">
+            <a:schemeClr val="tx1"/>
+          </a:fontRef>
+        </p:style>
+      </p:cxnSp>
+      <p:cxnSp>
+        <p:nvCxnSpPr>
+          <p:cNvPr id="35" name="직선 화살표 연결선 34"/>
+          <p:cNvCxnSpPr/>
+          <p:nvPr/>
+        </p:nvCxnSpPr>
+        <p:spPr>
+          <a:xfrm flipH="1">
+            <a:off x="6580682" y="2525843"/>
+            <a:ext cx="980060" cy="364534"/>
+          </a:xfrm>
+          <a:prstGeom prst="straightConnector1">
+            <a:avLst/>
+          </a:prstGeom>
+          <a:ln>
+            <a:tailEnd type="triangle"/>
+          </a:ln>
+        </p:spPr>
+        <p:style>
+          <a:lnRef idx="1">
+            <a:schemeClr val="accent1"/>
+          </a:lnRef>
+          <a:fillRef idx="0">
+            <a:schemeClr val="accent1"/>
+          </a:fillRef>
+          <a:effectRef idx="0">
+            <a:schemeClr val="accent1"/>
+          </a:effectRef>
+          <a:fontRef idx="minor">
+            <a:schemeClr val="tx1"/>
+          </a:fontRef>
+        </p:style>
+      </p:cxnSp>
+    </p:spTree>
+    <p:extLst>
+      <p:ext uri="{BB962C8B-B14F-4D97-AF65-F5344CB8AC3E}">
+        <p14:creationId xmlns:p14="http://schemas.microsoft.com/office/powerpoint/2010/main" val="2246802261"/>
+      </p:ext>
+    </p:extLst>
+  </p:cSld>
+  <p:clrMapOvr>
+    <a:masterClrMapping/>
+  </p:clrMapOvr>
+</p:sld>
+</file>
+
+<file path=ppt/slides/slide6.xml><?xml version="1.0" encoding="utf-8"?>
+<p:sld xmlns:a="http://schemas.openxmlformats.org/drawingml/2006/main" xmlns:r="http://schemas.openxmlformats.org/officeDocument/2006/relationships" xmlns:p="http://schemas.openxmlformats.org/presentationml/2006/main">
+  <p:cSld>
+    <p:spTree>
+      <p:nvGrpSpPr>
+        <p:cNvPr id="1" name=""/>
+        <p:cNvGrpSpPr/>
+        <p:nvPr/>
+      </p:nvGrpSpPr>
+      <p:grpSpPr>
+        <a:xfrm>
+          <a:off x="0" y="0"/>
+          <a:ext cx="0" cy="0"/>
+          <a:chOff x="0" y="0"/>
+          <a:chExt cx="0" cy="0"/>
+        </a:xfrm>
+      </p:grpSpPr>
+      <p:sp>
+        <p:nvSpPr>
+          <p:cNvPr id="4" name="TextBox 3"/>
+          <p:cNvSpPr txBox="1"/>
+          <p:nvPr/>
+        </p:nvSpPr>
+        <p:spPr>
+          <a:xfrm>
+            <a:off x="607101" y="352269"/>
+            <a:ext cx="2383986" cy="369332"/>
+          </a:xfrm>
+          <a:prstGeom prst="rect">
+            <a:avLst/>
+          </a:prstGeom>
+          <a:noFill/>
+        </p:spPr>
+        <p:txBody>
+          <a:bodyPr wrap="none" rtlCol="0">
+            <a:spAutoFit/>
+          </a:bodyPr>
+          <a:lstStyle/>
+          <a:p>
+            <a:r>
+              <a:rPr lang="en-US" altLang="ko-KR" dirty="0" smtClean="0"/>
+              <a:t>UI-SJN-70-001L ~ 4L</a:t>
+            </a:r>
+            <a:endParaRPr lang="ko-KR" altLang="en-US" dirty="0"/>
+          </a:p>
+        </p:txBody>
+      </p:sp>
+      <p:sp>
+        <p:nvSpPr>
+          <p:cNvPr id="5" name="TextBox 4"/>
+          <p:cNvSpPr txBox="1"/>
+          <p:nvPr/>
+        </p:nvSpPr>
+        <p:spPr>
+          <a:xfrm>
+            <a:off x="607101" y="985362"/>
+            <a:ext cx="1324402" cy="307777"/>
+          </a:xfrm>
+          <a:prstGeom prst="rect">
+            <a:avLst/>
+          </a:prstGeom>
+          <a:noFill/>
+        </p:spPr>
+        <p:txBody>
+          <a:bodyPr wrap="none" rtlCol="0">
+            <a:spAutoFit/>
+          </a:bodyPr>
+          <a:lstStyle/>
+          <a:p>
+            <a:r>
+              <a:rPr lang="ko-KR" altLang="en-US" sz="1400" dirty="0" smtClean="0"/>
+              <a:t>레이어로 전환</a:t>
+            </a:r>
+            <a:endParaRPr lang="ko-KR" altLang="en-US" sz="1400" dirty="0"/>
+          </a:p>
+        </p:txBody>
+      </p:sp>
+      <p:pic>
+        <p:nvPicPr>
+          <p:cNvPr id="3" name="그림 2"/>
+          <p:cNvPicPr>
+            <a:picLocks noChangeAspect="1"/>
+          </p:cNvPicPr>
+          <p:nvPr/>
+        </p:nvPicPr>
+        <p:blipFill>
+          <a:blip r:embed="rId2"/>
+          <a:stretch>
+            <a:fillRect/>
+          </a:stretch>
+        </p:blipFill>
+        <p:spPr>
+          <a:xfrm>
+            <a:off x="473386" y="1611442"/>
+            <a:ext cx="2793832" cy="4910175"/>
+          </a:xfrm>
+          <a:prstGeom prst="rect">
+            <a:avLst/>
+          </a:prstGeom>
+        </p:spPr>
+      </p:pic>
+      <p:pic>
+        <p:nvPicPr>
+          <p:cNvPr id="6" name="그림 5"/>
+          <p:cNvPicPr>
+            <a:picLocks noChangeAspect="1"/>
+          </p:cNvPicPr>
+          <p:nvPr/>
+        </p:nvPicPr>
+        <p:blipFill>
+          <a:blip r:embed="rId3"/>
+          <a:stretch>
+            <a:fillRect/>
+          </a:stretch>
+        </p:blipFill>
+        <p:spPr>
+          <a:xfrm>
+            <a:off x="3486409" y="1611442"/>
+            <a:ext cx="2556708" cy="3164886"/>
+          </a:xfrm>
+          <a:prstGeom prst="rect">
+            <a:avLst/>
+          </a:prstGeom>
+        </p:spPr>
+      </p:pic>
+      <p:pic>
+        <p:nvPicPr>
+          <p:cNvPr id="7" name="그림 6"/>
+          <p:cNvPicPr>
+            <a:picLocks noChangeAspect="1"/>
+          </p:cNvPicPr>
+          <p:nvPr/>
+        </p:nvPicPr>
+        <p:blipFill>
+          <a:blip r:embed="rId4"/>
+          <a:stretch>
+            <a:fillRect/>
+          </a:stretch>
+        </p:blipFill>
+        <p:spPr>
+          <a:xfrm>
+            <a:off x="6335940" y="1611442"/>
+            <a:ext cx="2406077" cy="2641752"/>
+          </a:xfrm>
+          <a:prstGeom prst="rect">
+            <a:avLst/>
+          </a:prstGeom>
+        </p:spPr>
+      </p:pic>
+      <p:pic>
+        <p:nvPicPr>
+          <p:cNvPr id="8" name="그림 7"/>
+          <p:cNvPicPr>
+            <a:picLocks noChangeAspect="1"/>
+          </p:cNvPicPr>
+          <p:nvPr/>
+        </p:nvPicPr>
+        <p:blipFill>
+          <a:blip r:embed="rId5"/>
+          <a:stretch>
+            <a:fillRect/>
+          </a:stretch>
+        </p:blipFill>
+        <p:spPr>
+          <a:xfrm>
+            <a:off x="9120680" y="1611442"/>
+            <a:ext cx="2443276" cy="2589311"/>
+          </a:xfrm>
+          <a:prstGeom prst="rect">
+            <a:avLst/>
+          </a:prstGeom>
+        </p:spPr>
+      </p:pic>
+    </p:spTree>
+    <p:extLst>
+      <p:ext uri="{BB962C8B-B14F-4D97-AF65-F5344CB8AC3E}">
+        <p14:creationId xmlns:p14="http://schemas.microsoft.com/office/powerpoint/2010/main" val="87779316"/>
       </p:ext>
     </p:extLst>
   </p:cSld>

--- a/ppt/03-30.pptx
+++ b/ppt/03-30.pptx
@@ -11,6 +11,8 @@
     <p:sldId id="259" r:id="rId5"/>
     <p:sldId id="260" r:id="rId6"/>
     <p:sldId id="261" r:id="rId7"/>
+    <p:sldId id="263" r:id="rId8"/>
+    <p:sldId id="264" r:id="rId9"/>
   </p:sldIdLst>
   <p:sldSz cx="12192000" cy="6858000"/>
   <p:notesSz cx="6858000" cy="9144000"/>
@@ -4751,6 +4753,291 @@
 </p:sld>
 </file>
 
+<file path=ppt/slides/slide7.xml><?xml version="1.0" encoding="utf-8"?>
+<p:sld xmlns:a="http://schemas.openxmlformats.org/drawingml/2006/main" xmlns:r="http://schemas.openxmlformats.org/officeDocument/2006/relationships" xmlns:p="http://schemas.openxmlformats.org/presentationml/2006/main">
+  <p:cSld>
+    <p:spTree>
+      <p:nvGrpSpPr>
+        <p:cNvPr id="1" name=""/>
+        <p:cNvGrpSpPr/>
+        <p:nvPr/>
+      </p:nvGrpSpPr>
+      <p:grpSpPr>
+        <a:xfrm>
+          <a:off x="0" y="0"/>
+          <a:ext cx="0" cy="0"/>
+          <a:chOff x="0" y="0"/>
+          <a:chExt cx="0" cy="0"/>
+        </a:xfrm>
+      </p:grpSpPr>
+      <p:sp>
+        <p:nvSpPr>
+          <p:cNvPr id="4" name="TextBox 3"/>
+          <p:cNvSpPr txBox="1"/>
+          <p:nvPr/>
+        </p:nvSpPr>
+        <p:spPr>
+          <a:xfrm>
+            <a:off x="607101" y="352269"/>
+            <a:ext cx="2204450" cy="369332"/>
+          </a:xfrm>
+          <a:prstGeom prst="rect">
+            <a:avLst/>
+          </a:prstGeom>
+          <a:noFill/>
+        </p:spPr>
+        <p:txBody>
+          <a:bodyPr wrap="none" rtlCol="0">
+            <a:spAutoFit/>
+          </a:bodyPr>
+          <a:lstStyle/>
+          <a:p>
+            <a:r>
+              <a:rPr lang="en-US" altLang="ko-KR" dirty="0"/>
+              <a:t>common_mapicons</a:t>
+            </a:r>
+            <a:endParaRPr lang="ko-KR" altLang="en-US" dirty="0"/>
+          </a:p>
+        </p:txBody>
+      </p:sp>
+      <p:sp>
+        <p:nvSpPr>
+          <p:cNvPr id="5" name="TextBox 4"/>
+          <p:cNvSpPr txBox="1"/>
+          <p:nvPr/>
+        </p:nvSpPr>
+        <p:spPr>
+          <a:xfrm>
+            <a:off x="4879298" y="2811200"/>
+            <a:ext cx="1144865" cy="307777"/>
+          </a:xfrm>
+          <a:prstGeom prst="rect">
+            <a:avLst/>
+          </a:prstGeom>
+          <a:noFill/>
+        </p:spPr>
+        <p:txBody>
+          <a:bodyPr wrap="none" rtlCol="0">
+            <a:spAutoFit/>
+          </a:bodyPr>
+          <a:lstStyle/>
+          <a:p>
+            <a:r>
+              <a:rPr lang="ko-KR" altLang="en-US" sz="1400" smtClean="0"/>
+              <a:t>아이콘 추가</a:t>
+            </a:r>
+            <a:endParaRPr lang="ko-KR" altLang="en-US" sz="1400" dirty="0"/>
+          </a:p>
+        </p:txBody>
+      </p:sp>
+      <p:pic>
+        <p:nvPicPr>
+          <p:cNvPr id="2" name="그림 1"/>
+          <p:cNvPicPr>
+            <a:picLocks noChangeAspect="1"/>
+          </p:cNvPicPr>
+          <p:nvPr/>
+        </p:nvPicPr>
+        <p:blipFill>
+          <a:blip r:embed="rId2"/>
+          <a:stretch>
+            <a:fillRect/>
+          </a:stretch>
+        </p:blipFill>
+        <p:spPr>
+          <a:xfrm>
+            <a:off x="663997" y="994768"/>
+            <a:ext cx="5887272" cy="1543265"/>
+          </a:xfrm>
+          <a:prstGeom prst="rect">
+            <a:avLst/>
+          </a:prstGeom>
+        </p:spPr>
+      </p:pic>
+    </p:spTree>
+    <p:extLst>
+      <p:ext uri="{BB962C8B-B14F-4D97-AF65-F5344CB8AC3E}">
+        <p14:creationId xmlns:p14="http://schemas.microsoft.com/office/powerpoint/2010/main" val="733750580"/>
+      </p:ext>
+    </p:extLst>
+  </p:cSld>
+  <p:clrMapOvr>
+    <a:masterClrMapping/>
+  </p:clrMapOvr>
+</p:sld>
+</file>
+
+<file path=ppt/slides/slide8.xml><?xml version="1.0" encoding="utf-8"?>
+<p:sld xmlns:a="http://schemas.openxmlformats.org/drawingml/2006/main" xmlns:r="http://schemas.openxmlformats.org/officeDocument/2006/relationships" xmlns:p="http://schemas.openxmlformats.org/presentationml/2006/main">
+  <p:cSld>
+    <p:spTree>
+      <p:nvGrpSpPr>
+        <p:cNvPr id="1" name=""/>
+        <p:cNvGrpSpPr/>
+        <p:nvPr/>
+      </p:nvGrpSpPr>
+      <p:grpSpPr>
+        <a:xfrm>
+          <a:off x="0" y="0"/>
+          <a:ext cx="0" cy="0"/>
+          <a:chOff x="0" y="0"/>
+          <a:chExt cx="0" cy="0"/>
+        </a:xfrm>
+      </p:grpSpPr>
+      <p:sp>
+        <p:nvSpPr>
+          <p:cNvPr id="4" name="TextBox 3"/>
+          <p:cNvSpPr txBox="1"/>
+          <p:nvPr/>
+        </p:nvSpPr>
+        <p:spPr>
+          <a:xfrm>
+            <a:off x="607101" y="352269"/>
+            <a:ext cx="1872629" cy="369332"/>
+          </a:xfrm>
+          <a:prstGeom prst="rect">
+            <a:avLst/>
+          </a:prstGeom>
+          <a:noFill/>
+        </p:spPr>
+        <p:txBody>
+          <a:bodyPr wrap="none" rtlCol="0">
+            <a:spAutoFit/>
+          </a:bodyPr>
+          <a:lstStyle/>
+          <a:p>
+            <a:r>
+              <a:rPr lang="en-US" altLang="ko-KR" dirty="0"/>
+              <a:t>UI-SJN-03-005U</a:t>
+            </a:r>
+            <a:endParaRPr lang="ko-KR" altLang="en-US" dirty="0"/>
+          </a:p>
+        </p:txBody>
+      </p:sp>
+      <p:sp>
+        <p:nvSpPr>
+          <p:cNvPr id="5" name="TextBox 4"/>
+          <p:cNvSpPr txBox="1"/>
+          <p:nvPr/>
+        </p:nvSpPr>
+        <p:spPr>
+          <a:xfrm>
+            <a:off x="4824026" y="2998577"/>
+            <a:ext cx="1144865" cy="307777"/>
+          </a:xfrm>
+          <a:prstGeom prst="rect">
+            <a:avLst/>
+          </a:prstGeom>
+          <a:noFill/>
+        </p:spPr>
+        <p:txBody>
+          <a:bodyPr wrap="none" rtlCol="0">
+            <a:spAutoFit/>
+          </a:bodyPr>
+          <a:lstStyle/>
+          <a:p>
+            <a:r>
+              <a:rPr lang="ko-KR" altLang="en-US" sz="1400" dirty="0" smtClean="0"/>
+              <a:t>이미지 변경</a:t>
+            </a:r>
+            <a:endParaRPr lang="ko-KR" altLang="en-US" sz="1400" dirty="0"/>
+          </a:p>
+        </p:txBody>
+      </p:sp>
+      <p:pic>
+        <p:nvPicPr>
+          <p:cNvPr id="3" name="그림 2"/>
+          <p:cNvPicPr>
+            <a:picLocks noChangeAspect="1"/>
+          </p:cNvPicPr>
+          <p:nvPr/>
+        </p:nvPicPr>
+        <p:blipFill>
+          <a:blip r:embed="rId2"/>
+          <a:stretch>
+            <a:fillRect/>
+          </a:stretch>
+        </p:blipFill>
+        <p:spPr>
+          <a:xfrm>
+            <a:off x="5511482" y="1164303"/>
+            <a:ext cx="4182059" cy="1276528"/>
+          </a:xfrm>
+          <a:prstGeom prst="rect">
+            <a:avLst/>
+          </a:prstGeom>
+        </p:spPr>
+      </p:pic>
+      <p:pic>
+        <p:nvPicPr>
+          <p:cNvPr id="6" name="그림 5"/>
+          <p:cNvPicPr>
+            <a:picLocks noChangeAspect="1"/>
+          </p:cNvPicPr>
+          <p:nvPr/>
+        </p:nvPicPr>
+        <p:blipFill>
+          <a:blip r:embed="rId3"/>
+          <a:stretch>
+            <a:fillRect/>
+          </a:stretch>
+        </p:blipFill>
+        <p:spPr>
+          <a:xfrm>
+            <a:off x="607101" y="1192882"/>
+            <a:ext cx="4143953" cy="1247949"/>
+          </a:xfrm>
+          <a:prstGeom prst="rect">
+            <a:avLst/>
+          </a:prstGeom>
+        </p:spPr>
+      </p:pic>
+      <p:cxnSp>
+        <p:nvCxnSpPr>
+          <p:cNvPr id="8" name="직선 화살표 연결선 7"/>
+          <p:cNvCxnSpPr/>
+          <p:nvPr/>
+        </p:nvCxnSpPr>
+        <p:spPr>
+          <a:xfrm>
+            <a:off x="4894289" y="1816856"/>
+            <a:ext cx="502170" cy="0"/>
+          </a:xfrm>
+          <a:prstGeom prst="straightConnector1">
+            <a:avLst/>
+          </a:prstGeom>
+          <a:ln>
+            <a:tailEnd type="triangle"/>
+          </a:ln>
+        </p:spPr>
+        <p:style>
+          <a:lnRef idx="1">
+            <a:schemeClr val="accent1"/>
+          </a:lnRef>
+          <a:fillRef idx="0">
+            <a:schemeClr val="accent1"/>
+          </a:fillRef>
+          <a:effectRef idx="0">
+            <a:schemeClr val="accent1"/>
+          </a:effectRef>
+          <a:fontRef idx="minor">
+            <a:schemeClr val="tx1"/>
+          </a:fontRef>
+        </p:style>
+      </p:cxnSp>
+    </p:spTree>
+    <p:extLst>
+      <p:ext uri="{BB962C8B-B14F-4D97-AF65-F5344CB8AC3E}">
+        <p14:creationId xmlns:p14="http://schemas.microsoft.com/office/powerpoint/2010/main" val="3100907086"/>
+      </p:ext>
+    </p:extLst>
+  </p:cSld>
+  <p:clrMapOvr>
+    <a:masterClrMapping/>
+  </p:clrMapOvr>
+</p:sld>
+</file>
+
 <file path=ppt/theme/theme1.xml><?xml version="1.0" encoding="utf-8"?>
 <a:theme xmlns:a="http://schemas.openxmlformats.org/drawingml/2006/main" name="Office 테마">
   <a:themeElements>

--- a/ppt/03-30.pptx
+++ b/ppt/03-30.pptx
@@ -4554,6 +4554,60 @@
           </a:fontRef>
         </p:style>
       </p:cxnSp>
+      <p:sp>
+        <p:nvSpPr>
+          <p:cNvPr id="26" name="TextBox 25"/>
+          <p:cNvSpPr txBox="1"/>
+          <p:nvPr/>
+        </p:nvSpPr>
+        <p:spPr>
+          <a:xfrm>
+            <a:off x="7886296" y="2607149"/>
+            <a:ext cx="2015295" cy="369332"/>
+          </a:xfrm>
+          <a:prstGeom prst="rect">
+            <a:avLst/>
+          </a:prstGeom>
+          <a:noFill/>
+        </p:spPr>
+        <p:txBody>
+          <a:bodyPr wrap="none" rtlCol="0">
+            <a:spAutoFit/>
+          </a:bodyPr>
+          <a:lstStyle/>
+          <a:p>
+            <a:r>
+              <a:rPr lang="ko-KR" altLang="en-US" dirty="0" smtClean="0">
+                <a:solidFill>
+                  <a:srgbClr val="FF0000"/>
+                </a:solidFill>
+              </a:rPr>
+              <a:t>수정</a:t>
+            </a:r>
+            <a:r>
+              <a:rPr lang="en-US" altLang="ko-KR" dirty="0" smtClean="0">
+                <a:solidFill>
+                  <a:srgbClr val="FF0000"/>
+                </a:solidFill>
+              </a:rPr>
+              <a:t>: </a:t>
+            </a:r>
+            <a:r>
+              <a:rPr lang="ko-KR" altLang="en-US" dirty="0" smtClean="0">
+                <a:solidFill>
+                  <a:srgbClr val="FF0000"/>
+                </a:solidFill>
+              </a:rPr>
+              <a:t>아이콘 완료</a:t>
+            </a:r>
+            <a:endParaRPr lang="ko-KR" altLang="en-US" dirty="0">
+              <a:solidFill>
+                <a:srgbClr val="FF0000"/>
+              </a:solidFill>
+            </a:endParaRPr>
+          </a:p>
+        </p:txBody>
+      </p:sp>
     </p:spTree>
     <p:extLst>
       <p:ext uri="{BB962C8B-B14F-4D97-AF65-F5344CB8AC3E}">
@@ -4808,7 +4862,7 @@
         </p:nvSpPr>
         <p:spPr>
           <a:xfrm>
-            <a:off x="4879298" y="2811200"/>
+            <a:off x="4759377" y="3448281"/>
             <a:ext cx="1144865" cy="307777"/>
           </a:xfrm>
           <a:prstGeom prst="rect">
@@ -4832,7 +4886,7 @@
       </p:sp>
       <p:pic>
         <p:nvPicPr>
-          <p:cNvPr id="2" name="그림 1"/>
+          <p:cNvPr id="3" name="그림 2"/>
           <p:cNvPicPr>
             <a:picLocks noChangeAspect="1"/>
           </p:cNvPicPr>
@@ -4846,8 +4900,8 @@
         </p:blipFill>
         <p:spPr>
           <a:xfrm>
-            <a:off x="663997" y="994768"/>
-            <a:ext cx="5887272" cy="1543265"/>
+            <a:off x="607101" y="993254"/>
+            <a:ext cx="5849166" cy="2248214"/>
           </a:xfrm>
           <a:prstGeom prst="rect">
             <a:avLst/>
